--- a/unit2/Unit2b - C++ Einfuehrung.pptx
+++ b/unit2/Unit2b - C++ Einfuehrung.pptx
@@ -358,7 +358,7 @@
             <a:fld id="{AA592FF2-A4BD-4E98-AC76-A10007E04C10}" type="datetimeFigureOut">
               <a:rPr lang="en-US" smtClean="0"/>
               <a:pPr/>
-              <a:t>4/6/24</a:t>
+              <a:t>4/7/24</a:t>
             </a:fld>
             <a:endParaRPr lang="en-US" dirty="0"/>
           </a:p>
@@ -1215,7 +1215,7 @@
             <a:fld id="{AA592FF2-A4BD-4E98-AC76-A10007E04C10}" type="datetimeFigureOut">
               <a:rPr lang="en-US" smtClean="0"/>
               <a:pPr/>
-              <a:t>4/6/24</a:t>
+              <a:t>4/7/24</a:t>
             </a:fld>
             <a:endParaRPr lang="en-US" dirty="0"/>
           </a:p>
@@ -23327,7 +23327,12 @@
             <p:ph type="body" sz="quarter" idx="13"/>
           </p:nvPr>
         </p:nvSpPr>
-        <p:spPr/>
+        <p:spPr>
+          <a:xfrm>
+            <a:off x="358776" y="1239837"/>
+            <a:ext cx="8245672" cy="3563938"/>
+          </a:xfrm>
+        </p:spPr>
         <p:txBody>
           <a:bodyPr/>
           <a:lstStyle/>
@@ -23533,29 +23538,19 @@
           </a:p>
           <a:p>
             <a:r>
-              <a:rPr lang="de-DE" altLang="en-US" b="1" dirty="0">
-                <a:ea typeface="ＭＳ Ｐゴシック" panose="020B0600070205080204" pitchFamily="34" charset="-128"/>
-              </a:rPr>
-              <a:t>Beispiel</a:t>
-            </a:r>
-            <a:r>
               <a:rPr lang="de-DE" altLang="en-US" dirty="0">
                 <a:ea typeface="ＭＳ Ｐゴシック" panose="020B0600070205080204" pitchFamily="34" charset="-128"/>
               </a:rPr>
-              <a:t>:</a:t>
-            </a:r>
-          </a:p>
-          <a:p>
-            <a:pPr marL="538162" lvl="2" indent="0">
-              <a:buNone/>
-            </a:pPr>
-            <a:r>
-              <a:rPr lang="de-DE" altLang="en-US" sz="1200" b="1" dirty="0" err="1">
-                <a:latin typeface="Courier New" panose="02070309020205020404" pitchFamily="49" charset="0"/>
+              <a:t>Die Daten einer Klasse/Struktur können im Konstruktor initialisiert werden</a:t>
+            </a:r>
+          </a:p>
+          <a:p>
+            <a:pPr lvl="1"/>
+            <a:r>
+              <a:rPr lang="de-DE" altLang="en-US" sz="1200" dirty="0">
                 <a:ea typeface="ＭＳ Ｐゴシック" panose="020B0600070205080204" pitchFamily="34" charset="-128"/>
-                <a:cs typeface="Courier New" panose="02070309020205020404" pitchFamily="49" charset="0"/>
-              </a:rPr>
-              <a:t>class</a:t>
+              </a:rPr>
+              <a:t>Komma nach dem Konstruktor und Komma-separierte Liste von </a:t>
             </a:r>
             <a:r>
               <a:rPr lang="de-DE" altLang="en-US" sz="1200" b="1" dirty="0">
@@ -23563,205 +23558,240 @@
                 <a:ea typeface="ＭＳ Ｐゴシック" panose="020B0600070205080204" pitchFamily="34" charset="-128"/>
                 <a:cs typeface="Courier New" panose="02070309020205020404" pitchFamily="49" charset="0"/>
               </a:rPr>
-              <a:t> </a:t>
-            </a:r>
-            <a:r>
-              <a:rPr lang="de-DE" altLang="en-US" sz="1200" b="1" dirty="0" err="1">
+              <a:t>&lt;Datenfeld&gt;(&lt;Wert&gt;)</a:t>
+            </a:r>
+          </a:p>
+          <a:p>
+            <a:r>
+              <a:rPr lang="de-DE" altLang="en-US" b="1" dirty="0">
+                <a:ea typeface="ＭＳ Ｐゴシック" panose="020B0600070205080204" pitchFamily="34" charset="-128"/>
+              </a:rPr>
+              <a:t>Beispiel</a:t>
+            </a:r>
+            <a:r>
+              <a:rPr lang="de-DE" altLang="en-US" dirty="0">
+                <a:ea typeface="ＭＳ Ｐゴシック" panose="020B0600070205080204" pitchFamily="34" charset="-128"/>
+              </a:rPr>
+              <a:t>:</a:t>
+            </a:r>
+          </a:p>
+          <a:p>
+            <a:pPr marL="538162" lvl="2" indent="0">
+              <a:buNone/>
+            </a:pPr>
+            <a:r>
+              <a:rPr lang="de-DE" altLang="en-US" sz="1100" b="1" dirty="0" err="1">
                 <a:latin typeface="Courier New" panose="02070309020205020404" pitchFamily="49" charset="0"/>
                 <a:ea typeface="ＭＳ Ｐゴシック" panose="020B0600070205080204" pitchFamily="34" charset="-128"/>
                 <a:cs typeface="Courier New" panose="02070309020205020404" pitchFamily="49" charset="0"/>
               </a:rPr>
-              <a:t>MyInt</a:t>
-            </a:r>
-            <a:r>
-              <a:rPr lang="de-DE" altLang="en-US" sz="1200" b="1" dirty="0">
+              <a:t>class</a:t>
+            </a:r>
+            <a:r>
+              <a:rPr lang="de-DE" altLang="en-US" sz="1100" b="1" dirty="0">
                 <a:latin typeface="Courier New" panose="02070309020205020404" pitchFamily="49" charset="0"/>
                 <a:ea typeface="ＭＳ Ｐゴシック" panose="020B0600070205080204" pitchFamily="34" charset="-128"/>
                 <a:cs typeface="Courier New" panose="02070309020205020404" pitchFamily="49" charset="0"/>
               </a:rPr>
-              <a:t> {</a:t>
-            </a:r>
-            <a:br>
-              <a:rPr lang="de-DE" altLang="en-US" sz="1200" b="1" dirty="0">
+              <a:t> </a:t>
+            </a:r>
+            <a:r>
+              <a:rPr lang="de-DE" altLang="en-US" sz="1100" b="1" dirty="0" err="1">
                 <a:latin typeface="Courier New" panose="02070309020205020404" pitchFamily="49" charset="0"/>
                 <a:ea typeface="ＭＳ Ｐゴシック" panose="020B0600070205080204" pitchFamily="34" charset="-128"/>
                 <a:cs typeface="Courier New" panose="02070309020205020404" pitchFamily="49" charset="0"/>
               </a:rPr>
-            </a:br>
-            <a:r>
-              <a:rPr lang="de-DE" altLang="en-US" sz="1200" b="1" dirty="0">
+              <a:t>MyInt</a:t>
+            </a:r>
+            <a:r>
+              <a:rPr lang="de-DE" altLang="en-US" sz="1100" b="1" dirty="0">
                 <a:latin typeface="Courier New" panose="02070309020205020404" pitchFamily="49" charset="0"/>
                 <a:ea typeface="ＭＳ Ｐゴシック" panose="020B0600070205080204" pitchFamily="34" charset="-128"/>
                 <a:cs typeface="Courier New" panose="02070309020205020404" pitchFamily="49" charset="0"/>
               </a:rPr>
-              <a:t>    </a:t>
-            </a:r>
-            <a:r>
-              <a:rPr lang="de-DE" altLang="en-US" sz="1200" b="1" dirty="0" err="1">
+              <a:t> {</a:t>
+            </a:r>
+            <a:br>
+              <a:rPr lang="de-DE" altLang="en-US" sz="1100" b="1" dirty="0">
                 <a:latin typeface="Courier New" panose="02070309020205020404" pitchFamily="49" charset="0"/>
                 <a:ea typeface="ＭＳ Ｐゴシック" panose="020B0600070205080204" pitchFamily="34" charset="-128"/>
                 <a:cs typeface="Courier New" panose="02070309020205020404" pitchFamily="49" charset="0"/>
               </a:rPr>
-              <a:t>int</a:t>
-            </a:r>
-            <a:r>
-              <a:rPr lang="de-DE" altLang="en-US" sz="1200" b="1" dirty="0">
+            </a:br>
+            <a:r>
+              <a:rPr lang="de-DE" altLang="en-US" sz="1100" b="1" dirty="0">
                 <a:latin typeface="Courier New" panose="02070309020205020404" pitchFamily="49" charset="0"/>
                 <a:ea typeface="ＭＳ Ｐゴシック" panose="020B0600070205080204" pitchFamily="34" charset="-128"/>
                 <a:cs typeface="Courier New" panose="02070309020205020404" pitchFamily="49" charset="0"/>
               </a:rPr>
-              <a:t> </a:t>
-            </a:r>
-            <a:r>
-              <a:rPr lang="de-DE" altLang="en-US" sz="1200" b="1" dirty="0" err="1">
+              <a:t>    </a:t>
+            </a:r>
+            <a:r>
+              <a:rPr lang="de-DE" altLang="en-US" sz="1100" b="1" dirty="0" err="1">
                 <a:latin typeface="Courier New" panose="02070309020205020404" pitchFamily="49" charset="0"/>
                 <a:ea typeface="ＭＳ Ｐゴシック" panose="020B0600070205080204" pitchFamily="34" charset="-128"/>
                 <a:cs typeface="Courier New" panose="02070309020205020404" pitchFamily="49" charset="0"/>
               </a:rPr>
-              <a:t>value</a:t>
-            </a:r>
-            <a:r>
-              <a:rPr lang="de-DE" altLang="en-US" sz="1200" b="1" dirty="0">
+              <a:t>int</a:t>
+            </a:r>
+            <a:r>
+              <a:rPr lang="de-DE" altLang="en-US" sz="1100" b="1" dirty="0">
                 <a:latin typeface="Courier New" panose="02070309020205020404" pitchFamily="49" charset="0"/>
                 <a:ea typeface="ＭＳ Ｐゴシック" panose="020B0600070205080204" pitchFamily="34" charset="-128"/>
                 <a:cs typeface="Courier New" panose="02070309020205020404" pitchFamily="49" charset="0"/>
               </a:rPr>
-              <a:t>;</a:t>
-            </a:r>
-            <a:br>
-              <a:rPr lang="de-DE" altLang="en-US" sz="1200" b="1" dirty="0">
+              <a:t> </a:t>
+            </a:r>
+            <a:r>
+              <a:rPr lang="de-DE" altLang="en-US" sz="1100" b="1" dirty="0" err="1">
                 <a:latin typeface="Courier New" panose="02070309020205020404" pitchFamily="49" charset="0"/>
                 <a:ea typeface="ＭＳ Ｐゴシック" panose="020B0600070205080204" pitchFamily="34" charset="-128"/>
                 <a:cs typeface="Courier New" panose="02070309020205020404" pitchFamily="49" charset="0"/>
               </a:rPr>
-            </a:br>
-            <a:r>
-              <a:rPr lang="de-DE" altLang="en-US" sz="1200" b="1" dirty="0">
+              <a:t>value</a:t>
+            </a:r>
+            <a:r>
+              <a:rPr lang="de-DE" altLang="en-US" sz="1100" b="1" dirty="0">
                 <a:latin typeface="Courier New" panose="02070309020205020404" pitchFamily="49" charset="0"/>
                 <a:ea typeface="ＭＳ Ｐゴシック" panose="020B0600070205080204" pitchFamily="34" charset="-128"/>
                 <a:cs typeface="Courier New" panose="02070309020205020404" pitchFamily="49" charset="0"/>
               </a:rPr>
-              <a:t>  </a:t>
-            </a:r>
-            <a:r>
-              <a:rPr lang="de-DE" altLang="en-US" sz="1200" b="1" dirty="0" err="1">
+              <a:t>;</a:t>
+            </a:r>
+            <a:br>
+              <a:rPr lang="de-DE" altLang="en-US" sz="1100" b="1" dirty="0">
                 <a:latin typeface="Courier New" panose="02070309020205020404" pitchFamily="49" charset="0"/>
                 <a:ea typeface="ＭＳ Ｐゴシック" panose="020B0600070205080204" pitchFamily="34" charset="-128"/>
                 <a:cs typeface="Courier New" panose="02070309020205020404" pitchFamily="49" charset="0"/>
               </a:rPr>
-              <a:t>public</a:t>
-            </a:r>
-            <a:r>
-              <a:rPr lang="de-DE" altLang="en-US" sz="1200" b="1" dirty="0">
+            </a:br>
+            <a:r>
+              <a:rPr lang="de-DE" altLang="en-US" sz="1100" b="1" dirty="0">
                 <a:latin typeface="Courier New" panose="02070309020205020404" pitchFamily="49" charset="0"/>
                 <a:ea typeface="ＭＳ Ｐゴシック" panose="020B0600070205080204" pitchFamily="34" charset="-128"/>
                 <a:cs typeface="Courier New" panose="02070309020205020404" pitchFamily="49" charset="0"/>
               </a:rPr>
-              <a:t>:</a:t>
-            </a:r>
-            <a:br>
-              <a:rPr lang="de-DE" altLang="en-US" sz="1200" b="1" dirty="0">
+              <a:t>  </a:t>
+            </a:r>
+            <a:r>
+              <a:rPr lang="de-DE" altLang="en-US" sz="1100" b="1" dirty="0" err="1">
                 <a:latin typeface="Courier New" panose="02070309020205020404" pitchFamily="49" charset="0"/>
                 <a:ea typeface="ＭＳ Ｐゴシック" panose="020B0600070205080204" pitchFamily="34" charset="-128"/>
                 <a:cs typeface="Courier New" panose="02070309020205020404" pitchFamily="49" charset="0"/>
               </a:rPr>
-            </a:br>
-            <a:r>
-              <a:rPr lang="de-DE" altLang="en-US" sz="1200" b="1" dirty="0">
+              <a:t>public</a:t>
+            </a:r>
+            <a:r>
+              <a:rPr lang="de-DE" altLang="en-US" sz="1100" b="1" dirty="0">
                 <a:latin typeface="Courier New" panose="02070309020205020404" pitchFamily="49" charset="0"/>
                 <a:ea typeface="ＭＳ Ｐゴシック" panose="020B0600070205080204" pitchFamily="34" charset="-128"/>
                 <a:cs typeface="Courier New" panose="02070309020205020404" pitchFamily="49" charset="0"/>
               </a:rPr>
-              <a:t>    </a:t>
-            </a:r>
-            <a:r>
-              <a:rPr lang="de-DE" altLang="en-US" sz="1200" b="1" dirty="0" err="1">
+              <a:t>:</a:t>
+            </a:r>
+            <a:br>
+              <a:rPr lang="de-DE" altLang="en-US" sz="1100" b="1" dirty="0">
                 <a:latin typeface="Courier New" panose="02070309020205020404" pitchFamily="49" charset="0"/>
                 <a:ea typeface="ＭＳ Ｐゴシック" panose="020B0600070205080204" pitchFamily="34" charset="-128"/>
                 <a:cs typeface="Courier New" panose="02070309020205020404" pitchFamily="49" charset="0"/>
               </a:rPr>
-              <a:t>MyInt</a:t>
-            </a:r>
-            <a:r>
-              <a:rPr lang="de-DE" altLang="en-US" sz="1200" b="1" dirty="0">
+            </a:br>
+            <a:r>
+              <a:rPr lang="de-DE" altLang="en-US" sz="1100" b="1" dirty="0">
                 <a:latin typeface="Courier New" panose="02070309020205020404" pitchFamily="49" charset="0"/>
                 <a:ea typeface="ＭＳ Ｐゴシック" panose="020B0600070205080204" pitchFamily="34" charset="-128"/>
                 <a:cs typeface="Courier New" panose="02070309020205020404" pitchFamily="49" charset="0"/>
               </a:rPr>
-              <a:t>(</a:t>
-            </a:r>
-            <a:r>
-              <a:rPr lang="de-DE" altLang="en-US" sz="1200" b="1" dirty="0" err="1">
+              <a:t>    </a:t>
+            </a:r>
+            <a:r>
+              <a:rPr lang="de-DE" altLang="en-US" sz="1100" b="1" dirty="0" err="1">
                 <a:latin typeface="Courier New" panose="02070309020205020404" pitchFamily="49" charset="0"/>
                 <a:ea typeface="ＭＳ Ｐゴシック" panose="020B0600070205080204" pitchFamily="34" charset="-128"/>
                 <a:cs typeface="Courier New" panose="02070309020205020404" pitchFamily="49" charset="0"/>
               </a:rPr>
-              <a:t>int</a:t>
-            </a:r>
-            <a:r>
-              <a:rPr lang="de-DE" altLang="en-US" sz="1200" b="1" dirty="0">
+              <a:t>MyInt</a:t>
+            </a:r>
+            <a:r>
+              <a:rPr lang="de-DE" altLang="en-US" sz="1100" b="1" dirty="0">
                 <a:latin typeface="Courier New" panose="02070309020205020404" pitchFamily="49" charset="0"/>
                 <a:ea typeface="ＭＳ Ｐゴシック" panose="020B0600070205080204" pitchFamily="34" charset="-128"/>
                 <a:cs typeface="Courier New" panose="02070309020205020404" pitchFamily="49" charset="0"/>
               </a:rPr>
-              <a:t> v=0) { </a:t>
-            </a:r>
-            <a:r>
-              <a:rPr lang="de-DE" altLang="en-US" sz="1200" b="1" dirty="0" err="1">
+              <a:t>(</a:t>
+            </a:r>
+            <a:r>
+              <a:rPr lang="de-DE" altLang="en-US" sz="1100" b="1" dirty="0" err="1">
                 <a:latin typeface="Courier New" panose="02070309020205020404" pitchFamily="49" charset="0"/>
                 <a:ea typeface="ＭＳ Ｐゴシック" panose="020B0600070205080204" pitchFamily="34" charset="-128"/>
                 <a:cs typeface="Courier New" panose="02070309020205020404" pitchFamily="49" charset="0"/>
               </a:rPr>
-              <a:t>value</a:t>
-            </a:r>
-            <a:r>
-              <a:rPr lang="de-DE" altLang="en-US" sz="1200" b="1" dirty="0">
+              <a:t>int</a:t>
+            </a:r>
+            <a:r>
+              <a:rPr lang="de-DE" altLang="en-US" sz="1100" b="1" dirty="0">
                 <a:latin typeface="Courier New" panose="02070309020205020404" pitchFamily="49" charset="0"/>
                 <a:ea typeface="ＭＳ Ｐゴシック" panose="020B0600070205080204" pitchFamily="34" charset="-128"/>
                 <a:cs typeface="Courier New" panose="02070309020205020404" pitchFamily="49" charset="0"/>
               </a:rPr>
-              <a:t> = v; }</a:t>
-            </a:r>
-            <a:br>
-              <a:rPr lang="de-DE" altLang="en-US" sz="1200" b="1" dirty="0">
+              <a:t> v=0) : </a:t>
+            </a:r>
+            <a:r>
+              <a:rPr lang="de-DE" altLang="en-US" sz="1100" b="1" dirty="0" err="1">
                 <a:latin typeface="Courier New" panose="02070309020205020404" pitchFamily="49" charset="0"/>
                 <a:ea typeface="ＭＳ Ｐゴシック" panose="020B0600070205080204" pitchFamily="34" charset="-128"/>
                 <a:cs typeface="Courier New" panose="02070309020205020404" pitchFamily="49" charset="0"/>
               </a:rPr>
-            </a:br>
-            <a:r>
-              <a:rPr lang="de-DE" altLang="en-US" sz="1200" b="1" dirty="0">
+              <a:t>value</a:t>
+            </a:r>
+            <a:r>
+              <a:rPr lang="de-DE" altLang="en-US" sz="1100" b="1" dirty="0">
                 <a:latin typeface="Courier New" panose="02070309020205020404" pitchFamily="49" charset="0"/>
                 <a:ea typeface="ＭＳ Ｐゴシック" panose="020B0600070205080204" pitchFamily="34" charset="-128"/>
                 <a:cs typeface="Courier New" panose="02070309020205020404" pitchFamily="49" charset="0"/>
               </a:rPr>
-              <a:t>	~</a:t>
-            </a:r>
-            <a:r>
-              <a:rPr lang="de-DE" altLang="en-US" sz="1200" b="1" dirty="0" err="1">
+              <a:t>(v) {}</a:t>
+            </a:r>
+            <a:br>
+              <a:rPr lang="de-DE" altLang="en-US" sz="1100" b="1" dirty="0">
                 <a:latin typeface="Courier New" panose="02070309020205020404" pitchFamily="49" charset="0"/>
                 <a:ea typeface="ＭＳ Ｐゴシック" panose="020B0600070205080204" pitchFamily="34" charset="-128"/>
                 <a:cs typeface="Courier New" panose="02070309020205020404" pitchFamily="49" charset="0"/>
               </a:rPr>
-              <a:t>MyInt</a:t>
-            </a:r>
-            <a:r>
-              <a:rPr lang="de-DE" altLang="en-US" sz="1200" b="1" dirty="0">
+            </a:br>
+            <a:r>
+              <a:rPr lang="de-DE" altLang="en-US" sz="1100" b="1" dirty="0">
                 <a:latin typeface="Courier New" panose="02070309020205020404" pitchFamily="49" charset="0"/>
                 <a:ea typeface="ＭＳ Ｐゴシック" panose="020B0600070205080204" pitchFamily="34" charset="-128"/>
                 <a:cs typeface="Courier New" panose="02070309020205020404" pitchFamily="49" charset="0"/>
               </a:rPr>
-              <a:t> () {}</a:t>
-            </a:r>
-            <a:br>
-              <a:rPr lang="de-DE" altLang="en-US" sz="1200" b="1" dirty="0">
+              <a:t>	~</a:t>
+            </a:r>
+            <a:r>
+              <a:rPr lang="de-DE" altLang="en-US" sz="1100" b="1" dirty="0" err="1">
                 <a:latin typeface="Courier New" panose="02070309020205020404" pitchFamily="49" charset="0"/>
                 <a:ea typeface="ＭＳ Ｐゴシック" panose="020B0600070205080204" pitchFamily="34" charset="-128"/>
                 <a:cs typeface="Courier New" panose="02070309020205020404" pitchFamily="49" charset="0"/>
               </a:rPr>
+              <a:t>MyInt</a:t>
+            </a:r>
+            <a:r>
+              <a:rPr lang="de-DE" altLang="en-US" sz="1100" b="1" dirty="0">
+                <a:latin typeface="Courier New" panose="02070309020205020404" pitchFamily="49" charset="0"/>
+                <a:ea typeface="ＭＳ Ｐゴシック" panose="020B0600070205080204" pitchFamily="34" charset="-128"/>
+                <a:cs typeface="Courier New" panose="02070309020205020404" pitchFamily="49" charset="0"/>
+              </a:rPr>
+              <a:t> () {}</a:t>
+            </a:r>
+            <a:br>
+              <a:rPr lang="de-DE" altLang="en-US" sz="1100" b="1" dirty="0">
+                <a:latin typeface="Courier New" panose="02070309020205020404" pitchFamily="49" charset="0"/>
+                <a:ea typeface="ＭＳ Ｐゴシック" panose="020B0600070205080204" pitchFamily="34" charset="-128"/>
+                <a:cs typeface="Courier New" panose="02070309020205020404" pitchFamily="49" charset="0"/>
+              </a:rPr>
             </a:br>
             <a:r>
-              <a:rPr lang="de-DE" altLang="en-US" sz="1200" b="1" dirty="0">
+              <a:rPr lang="de-DE" altLang="en-US" sz="1100" b="1" dirty="0">
                 <a:latin typeface="Courier New" panose="02070309020205020404" pitchFamily="49" charset="0"/>
                 <a:ea typeface="ＭＳ Ｐゴシック" panose="020B0600070205080204" pitchFamily="34" charset="-128"/>
                 <a:cs typeface="Courier New" panose="02070309020205020404" pitchFamily="49" charset="0"/>
@@ -24301,6 +24331,128 @@
                                           <p:spTgt spid="5">
                                             <p:txEl>
                                               <p:pRg st="7" end="7"/>
+                                            </p:txEl>
+                                          </p:spTgt>
+                                        </p:tgtEl>
+                                      </p:cBhvr>
+                                    </p:animEffect>
+                                  </p:childTnLst>
+                                </p:cTn>
+                              </p:par>
+                            </p:childTnLst>
+                          </p:cTn>
+                        </p:par>
+                      </p:childTnLst>
+                    </p:cTn>
+                  </p:par>
+                  <p:par>
+                    <p:cTn id="43" fill="hold">
+                      <p:stCondLst>
+                        <p:cond delay="indefinite"/>
+                      </p:stCondLst>
+                      <p:childTnLst>
+                        <p:par>
+                          <p:cTn id="44" fill="hold">
+                            <p:stCondLst>
+                              <p:cond delay="0"/>
+                            </p:stCondLst>
+                            <p:childTnLst>
+                              <p:par>
+                                <p:cTn id="45" presetID="9" presetClass="entr" presetSubtype="0" fill="hold" nodeType="clickEffect">
+                                  <p:stCondLst>
+                                    <p:cond delay="0"/>
+                                  </p:stCondLst>
+                                  <p:childTnLst>
+                                    <p:set>
+                                      <p:cBhvr>
+                                        <p:cTn id="46" dur="1" fill="hold">
+                                          <p:stCondLst>
+                                            <p:cond delay="0"/>
+                                          </p:stCondLst>
+                                        </p:cTn>
+                                        <p:tgtEl>
+                                          <p:spTgt spid="5">
+                                            <p:txEl>
+                                              <p:pRg st="8" end="8"/>
+                                            </p:txEl>
+                                          </p:spTgt>
+                                        </p:tgtEl>
+                                        <p:attrNameLst>
+                                          <p:attrName>style.visibility</p:attrName>
+                                        </p:attrNameLst>
+                                      </p:cBhvr>
+                                      <p:to>
+                                        <p:strVal val="visible"/>
+                                      </p:to>
+                                    </p:set>
+                                    <p:animEffect transition="in" filter="dissolve">
+                                      <p:cBhvr>
+                                        <p:cTn id="47" dur="500"/>
+                                        <p:tgtEl>
+                                          <p:spTgt spid="5">
+                                            <p:txEl>
+                                              <p:pRg st="8" end="8"/>
+                                            </p:txEl>
+                                          </p:spTgt>
+                                        </p:tgtEl>
+                                      </p:cBhvr>
+                                    </p:animEffect>
+                                  </p:childTnLst>
+                                </p:cTn>
+                              </p:par>
+                            </p:childTnLst>
+                          </p:cTn>
+                        </p:par>
+                      </p:childTnLst>
+                    </p:cTn>
+                  </p:par>
+                  <p:par>
+                    <p:cTn id="48" fill="hold">
+                      <p:stCondLst>
+                        <p:cond delay="indefinite"/>
+                      </p:stCondLst>
+                      <p:childTnLst>
+                        <p:par>
+                          <p:cTn id="49" fill="hold">
+                            <p:stCondLst>
+                              <p:cond delay="0"/>
+                            </p:stCondLst>
+                            <p:childTnLst>
+                              <p:par>
+                                <p:cTn id="50" presetID="9" presetClass="entr" presetSubtype="0" fill="hold" nodeType="clickEffect">
+                                  <p:stCondLst>
+                                    <p:cond delay="0"/>
+                                  </p:stCondLst>
+                                  <p:childTnLst>
+                                    <p:set>
+                                      <p:cBhvr>
+                                        <p:cTn id="51" dur="1" fill="hold">
+                                          <p:stCondLst>
+                                            <p:cond delay="0"/>
+                                          </p:stCondLst>
+                                        </p:cTn>
+                                        <p:tgtEl>
+                                          <p:spTgt spid="5">
+                                            <p:txEl>
+                                              <p:pRg st="9" end="9"/>
+                                            </p:txEl>
+                                          </p:spTgt>
+                                        </p:tgtEl>
+                                        <p:attrNameLst>
+                                          <p:attrName>style.visibility</p:attrName>
+                                        </p:attrNameLst>
+                                      </p:cBhvr>
+                                      <p:to>
+                                        <p:strVal val="visible"/>
+                                      </p:to>
+                                    </p:set>
+                                    <p:animEffect transition="in" filter="dissolve">
+                                      <p:cBhvr>
+                                        <p:cTn id="52" dur="500"/>
+                                        <p:tgtEl>
+                                          <p:spTgt spid="5">
+                                            <p:txEl>
+                                              <p:pRg st="9" end="9"/>
                                             </p:txEl>
                                           </p:spTgt>
                                         </p:tgtEl>

--- a/unit2/Unit2b - C++ Einfuehrung.pptx
+++ b/unit2/Unit2b - C++ Einfuehrung.pptx
@@ -358,7 +358,7 @@
             <a:fld id="{AA592FF2-A4BD-4E98-AC76-A10007E04C10}" type="datetimeFigureOut">
               <a:rPr lang="en-US" smtClean="0"/>
               <a:pPr/>
-              <a:t>4/7/24</a:t>
+              <a:t>4/13/24</a:t>
             </a:fld>
             <a:endParaRPr lang="en-US" dirty="0"/>
           </a:p>
@@ -1215,7 +1215,7 @@
             <a:fld id="{AA592FF2-A4BD-4E98-AC76-A10007E04C10}" type="datetimeFigureOut">
               <a:rPr lang="en-US" smtClean="0"/>
               <a:pPr/>
-              <a:t>4/7/24</a:t>
+              <a:t>4/13/24</a:t>
             </a:fld>
             <a:endParaRPr lang="en-US" dirty="0"/>
           </a:p>
@@ -24824,7 +24824,7 @@
               <a:t>Wenn Klasse </a:t>
             </a:r>
             <a:r>
-              <a:rPr lang="de-DE" dirty="0">
+              <a:rPr lang="de-DE" b="1" dirty="0">
                 <a:latin typeface="Courier New" panose="02070309020205020404" pitchFamily="49" charset="0"/>
                 <a:cs typeface="Courier New" panose="02070309020205020404" pitchFamily="49" charset="0"/>
               </a:rPr>
